--- a/docs/final.pptx
+++ b/docs/final.pptx
@@ -3455,6 +3455,20 @@
               </a:rPr>
               <a:t> </a:t>
             </a:r>
+            <a:r>
+              <a:rPr lang="pl-PL" sz="1600" dirty="0" smtClean="0">
+                <a:solidFill>
+                  <a:schemeClr val="tx2"/>
+                </a:solidFill>
+              </a:rPr>
+              <a:t>Wykorzystanie sieci P2P</a:t>
+            </a:r>
+          </a:p>
+          <a:p>
+            <a:pPr>
+              <a:buFontTx/>
+              <a:buChar char="-"/>
+            </a:pPr>
             <a:endParaRPr lang="en-US" sz="1600" dirty="0">
               <a:solidFill>
                 <a:schemeClr val="tx2"/>
@@ -3702,7 +3716,12 @@
             <p:ph type="body" sz="half" idx="2"/>
           </p:nvPr>
         </p:nvSpPr>
-        <p:spPr/>
+        <p:spPr>
+          <a:xfrm>
+            <a:off x="428596" y="1428736"/>
+            <a:ext cx="3008313" cy="4691063"/>
+          </a:xfrm>
+        </p:spPr>
         <p:txBody>
           <a:bodyPr/>
           <a:lstStyle/>
@@ -3739,6 +3758,14 @@
               <a:buFontTx/>
               <a:buChar char="-"/>
             </a:pPr>
+            <a:r>
+              <a:rPr lang="pl-PL" sz="1600" dirty="0" smtClean="0">
+                <a:solidFill>
+                  <a:schemeClr val="tx2"/>
+                </a:solidFill>
+              </a:rPr>
+              <a:t> wykorzystanie języka Python</a:t>
+            </a:r>
             <a:endParaRPr lang="en-US" sz="1600" dirty="0">
               <a:solidFill>
                 <a:schemeClr val="tx2"/>
@@ -3931,7 +3958,7 @@
           </a:p>
           <a:p>
             <a:r>
-              <a:rPr lang="pl-PL" smtClean="0">
+              <a:rPr lang="pl-PL" dirty="0" smtClean="0">
                 <a:solidFill>
                   <a:schemeClr val="tx2"/>
                 </a:solidFill>
